--- a/presentation/presentation_lei.pptx
+++ b/presentation/presentation_lei.pptx
@@ -5,12 +5,14 @@
     <p:sldMasterId id="2147483648" r:id="rId2"/>
   </p:sldMasterIdLst>
   <p:notesMasterIdLst>
-    <p:notesMasterId r:id="rId6"/>
+    <p:notesMasterId r:id="rId8"/>
   </p:notesMasterIdLst>
   <p:sldIdLst>
     <p:sldId id="283" r:id="rId3"/>
     <p:sldId id="284" r:id="rId4"/>
     <p:sldId id="285" r:id="rId5"/>
+    <p:sldId id="286" r:id="rId6"/>
+    <p:sldId id="287" r:id="rId7"/>
   </p:sldIdLst>
   <p:sldSz cx="9144000" cy="5715000" type="screen16x10"/>
   <p:notesSz cx="6858000" cy="9144000"/>
@@ -109,7 +111,7 @@
   </p:defaultTextStyle>
   <p:extLst>
     <p:ext uri="{EFAFB233-063F-42B5-8137-9DF3F51BA10A}">
-      <p15:sldGuideLst xmlns:p15="http://schemas.microsoft.com/office/powerpoint/2012/main" xmlns="">
+      <p15:sldGuideLst xmlns="" xmlns:p15="http://schemas.microsoft.com/office/powerpoint/2012/main">
         <p15:guide id="1" orient="horz" pos="1800" userDrawn="1">
           <p15:clr>
             <a:srgbClr val="A4A3A4"/>
@@ -3823,13 +3825,8 @@
             </a:r>
             <a:r>
               <a:rPr lang="en-GB" altLang="zh-CN" sz="3200" dirty="0"/>
-              <a:t>the </a:t>
-            </a:r>
-            <a:r>
-              <a:rPr lang="en-GB" altLang="zh-CN" sz="3200" dirty="0"/>
-              <a:t>result </a:t>
-            </a:r>
-            <a:endParaRPr lang="en-GB" altLang="zh-CN" sz="3200" dirty="0"/>
+              <a:t>the result </a:t>
+            </a:r>
           </a:p>
           <a:p>
             <a:pPr marL="342900" indent="-342900">
@@ -3950,11 +3947,7 @@
             </a:pPr>
             <a:r>
               <a:rPr lang="en-GB" altLang="zh-CN" sz="3200" dirty="0"/>
-              <a:t>There </a:t>
-            </a:r>
-            <a:r>
-              <a:rPr lang="en-GB" altLang="zh-CN" sz="3200" dirty="0"/>
-              <a:t>are around </a:t>
+              <a:t>There are around </a:t>
             </a:r>
             <a:r>
               <a:rPr lang="en-GB" altLang="zh-CN" sz="3200" dirty="0">
@@ -3966,11 +3959,7 @@
             </a:r>
             <a:r>
               <a:rPr lang="en-GB" altLang="zh-CN" sz="3200" dirty="0"/>
-              <a:t> samples for each </a:t>
-            </a:r>
-            <a:r>
-              <a:rPr lang="en-GB" altLang="zh-CN" sz="3200" dirty="0"/>
-              <a:t>number</a:t>
+              <a:t> samples for each number</a:t>
             </a:r>
           </a:p>
           <a:p>
@@ -3980,11 +3969,7 @@
             </a:pPr>
             <a:r>
               <a:rPr lang="en-GB" altLang="zh-CN" sz="3200" dirty="0"/>
-              <a:t>Each </a:t>
-            </a:r>
-            <a:r>
-              <a:rPr lang="en-GB" altLang="zh-CN" sz="3200" dirty="0"/>
-              <a:t>number was reshaped to </a:t>
+              <a:t>Each number was reshaped to </a:t>
             </a:r>
             <a:r>
               <a:rPr lang="en-GB" altLang="zh-CN" sz="3200" dirty="0">
@@ -4026,11 +4011,7 @@
             </a:r>
             <a:r>
               <a:rPr lang="en-GB" altLang="zh-CN" sz="3200" dirty="0"/>
-              <a:t>(for the gradient) for each reshaped </a:t>
-            </a:r>
-            <a:r>
-              <a:rPr lang="en-GB" altLang="zh-CN" sz="3200" dirty="0"/>
-              <a:t>image</a:t>
+              <a:t>(for the gradient) for each reshaped image</a:t>
             </a:r>
           </a:p>
           <a:p>
@@ -4040,11 +4021,7 @@
             </a:pPr>
             <a:r>
               <a:rPr lang="en-GB" altLang="zh-CN" sz="3200" dirty="0"/>
-              <a:t>Turn </a:t>
-            </a:r>
-            <a:r>
-              <a:rPr lang="en-GB" altLang="zh-CN" sz="3200" dirty="0"/>
-              <a:t>the outputs to a </a:t>
+              <a:t>Turn the outputs to a </a:t>
             </a:r>
             <a:r>
               <a:rPr lang="en-GB" altLang="zh-CN" sz="3200" dirty="0">
@@ -4056,11 +4033,7 @@
             </a:r>
             <a:r>
               <a:rPr lang="en-GB" altLang="zh-CN" sz="3200" dirty="0"/>
-              <a:t> </a:t>
-            </a:r>
-            <a:r>
-              <a:rPr lang="en-GB" altLang="zh-CN" sz="3200" dirty="0"/>
-              <a:t>array.</a:t>
+              <a:t> array.</a:t>
             </a:r>
           </a:p>
           <a:p>
@@ -4070,11 +4043,7 @@
             </a:pPr>
             <a:r>
               <a:rPr lang="en-GB" altLang="zh-CN" sz="3200" dirty="0"/>
-              <a:t>Then </a:t>
-            </a:r>
-            <a:r>
-              <a:rPr lang="en-GB" altLang="zh-CN" sz="3200" dirty="0"/>
-              <a:t>we got the Training set, around </a:t>
+              <a:t>Then we got the Training set, around </a:t>
             </a:r>
             <a:r>
               <a:rPr lang="en-GB" altLang="zh-CN" sz="3200" dirty="0">
@@ -4304,7 +4273,129 @@
   <p:timing>
     <p:tnLst>
       <p:par>
-        <p:cTn id="1" dur="indefinite" restart="never" nodeType="tmRoot"/>
+        <p:cTn id="1" dur="indefinite" restart="never" nodeType="tmRoot">
+          <p:childTnLst>
+            <p:seq concurrent="1" nextAc="seek">
+              <p:cTn id="2" dur="indefinite" nodeType="mainSeq">
+                <p:childTnLst>
+                  <p:par>
+                    <p:cTn id="3" fill="hold">
+                      <p:stCondLst>
+                        <p:cond delay="indefinite"/>
+                      </p:stCondLst>
+                      <p:childTnLst>
+                        <p:par>
+                          <p:cTn id="4" fill="hold">
+                            <p:stCondLst>
+                              <p:cond delay="0"/>
+                            </p:stCondLst>
+                            <p:childTnLst>
+                              <p:par>
+                                <p:cTn id="5" presetID="42" presetClass="entr" presetSubtype="0" fill="hold" nodeType="clickEffect">
+                                  <p:stCondLst>
+                                    <p:cond delay="0"/>
+                                  </p:stCondLst>
+                                  <p:childTnLst>
+                                    <p:set>
+                                      <p:cBhvr>
+                                        <p:cTn id="6" dur="1" fill="hold">
+                                          <p:stCondLst>
+                                            <p:cond delay="0"/>
+                                          </p:stCondLst>
+                                        </p:cTn>
+                                        <p:tgtEl>
+                                          <p:spTgt spid="4"/>
+                                        </p:tgtEl>
+                                        <p:attrNameLst>
+                                          <p:attrName>style.visibility</p:attrName>
+                                        </p:attrNameLst>
+                                      </p:cBhvr>
+                                      <p:to>
+                                        <p:strVal val="visible"/>
+                                      </p:to>
+                                    </p:set>
+                                    <p:animEffect transition="in" filter="fade">
+                                      <p:cBhvr>
+                                        <p:cTn id="7" dur="1000"/>
+                                        <p:tgtEl>
+                                          <p:spTgt spid="4"/>
+                                        </p:tgtEl>
+                                      </p:cBhvr>
+                                    </p:animEffect>
+                                    <p:anim calcmode="lin" valueType="num">
+                                      <p:cBhvr>
+                                        <p:cTn id="8" dur="1000" fill="hold"/>
+                                        <p:tgtEl>
+                                          <p:spTgt spid="4"/>
+                                        </p:tgtEl>
+                                        <p:attrNameLst>
+                                          <p:attrName>ppt_x</p:attrName>
+                                        </p:attrNameLst>
+                                      </p:cBhvr>
+                                      <p:tavLst>
+                                        <p:tav tm="0">
+                                          <p:val>
+                                            <p:strVal val="#ppt_x"/>
+                                          </p:val>
+                                        </p:tav>
+                                        <p:tav tm="100000">
+                                          <p:val>
+                                            <p:strVal val="#ppt_x"/>
+                                          </p:val>
+                                        </p:tav>
+                                      </p:tavLst>
+                                    </p:anim>
+                                    <p:anim calcmode="lin" valueType="num">
+                                      <p:cBhvr>
+                                        <p:cTn id="9" dur="1000" fill="hold"/>
+                                        <p:tgtEl>
+                                          <p:spTgt spid="4"/>
+                                        </p:tgtEl>
+                                        <p:attrNameLst>
+                                          <p:attrName>ppt_y</p:attrName>
+                                        </p:attrNameLst>
+                                      </p:cBhvr>
+                                      <p:tavLst>
+                                        <p:tav tm="0">
+                                          <p:val>
+                                            <p:strVal val="#ppt_y+.1"/>
+                                          </p:val>
+                                        </p:tav>
+                                        <p:tav tm="100000">
+                                          <p:val>
+                                            <p:strVal val="#ppt_y"/>
+                                          </p:val>
+                                        </p:tav>
+                                      </p:tavLst>
+                                    </p:anim>
+                                  </p:childTnLst>
+                                </p:cTn>
+                              </p:par>
+                            </p:childTnLst>
+                          </p:cTn>
+                        </p:par>
+                      </p:childTnLst>
+                    </p:cTn>
+                  </p:par>
+                </p:childTnLst>
+              </p:cTn>
+              <p:prevCondLst>
+                <p:cond evt="onPrev" delay="0">
+                  <p:tgtEl>
+                    <p:sldTgt/>
+                  </p:tgtEl>
+                </p:cond>
+              </p:prevCondLst>
+              <p:nextCondLst>
+                <p:cond evt="onNext" delay="0">
+                  <p:tgtEl>
+                    <p:sldTgt/>
+                  </p:tgtEl>
+                </p:cond>
+              </p:nextCondLst>
+            </p:seq>
+          </p:childTnLst>
+        </p:cTn>
       </p:par>
     </p:tnLst>
   </p:timing>
@@ -4491,7 +4582,1454 @@
   <p:timing>
     <p:tnLst>
       <p:par>
-        <p:cTn id="1" dur="indefinite" restart="never" nodeType="tmRoot"/>
+        <p:cTn id="1" dur="indefinite" restart="never" nodeType="tmRoot">
+          <p:childTnLst>
+            <p:seq concurrent="1" nextAc="seek">
+              <p:cTn id="2" dur="indefinite" nodeType="mainSeq">
+                <p:childTnLst>
+                  <p:par>
+                    <p:cTn id="3" fill="hold">
+                      <p:stCondLst>
+                        <p:cond delay="indefinite"/>
+                      </p:stCondLst>
+                      <p:childTnLst>
+                        <p:par>
+                          <p:cTn id="4" fill="hold">
+                            <p:stCondLst>
+                              <p:cond delay="0"/>
+                            </p:stCondLst>
+                            <p:childTnLst>
+                              <p:par>
+                                <p:cTn id="5" presetID="10" presetClass="entr" presetSubtype="0" fill="hold" nodeType="clickEffect">
+                                  <p:stCondLst>
+                                    <p:cond delay="0"/>
+                                  </p:stCondLst>
+                                  <p:childTnLst>
+                                    <p:set>
+                                      <p:cBhvr>
+                                        <p:cTn id="6" dur="1" fill="hold">
+                                          <p:stCondLst>
+                                            <p:cond delay="0"/>
+                                          </p:stCondLst>
+                                        </p:cTn>
+                                        <p:tgtEl>
+                                          <p:spTgt spid="1028"/>
+                                        </p:tgtEl>
+                                        <p:attrNameLst>
+                                          <p:attrName>style.visibility</p:attrName>
+                                        </p:attrNameLst>
+                                      </p:cBhvr>
+                                      <p:to>
+                                        <p:strVal val="visible"/>
+                                      </p:to>
+                                    </p:set>
+                                    <p:animEffect transition="in" filter="fade">
+                                      <p:cBhvr>
+                                        <p:cTn id="7" dur="500"/>
+                                        <p:tgtEl>
+                                          <p:spTgt spid="1028"/>
+                                        </p:tgtEl>
+                                      </p:cBhvr>
+                                    </p:animEffect>
+                                  </p:childTnLst>
+                                </p:cTn>
+                              </p:par>
+                            </p:childTnLst>
+                          </p:cTn>
+                        </p:par>
+                      </p:childTnLst>
+                    </p:cTn>
+                  </p:par>
+                </p:childTnLst>
+              </p:cTn>
+              <p:prevCondLst>
+                <p:cond evt="onPrev" delay="0">
+                  <p:tgtEl>
+                    <p:sldTgt/>
+                  </p:tgtEl>
+                </p:cond>
+              </p:prevCondLst>
+              <p:nextCondLst>
+                <p:cond evt="onNext" delay="0">
+                  <p:tgtEl>
+                    <p:sldTgt/>
+                  </p:tgtEl>
+                </p:cond>
+              </p:nextCondLst>
+            </p:seq>
+          </p:childTnLst>
+        </p:cTn>
+      </p:par>
+    </p:tnLst>
+  </p:timing>
+</p:sld>
+</file>
+
+<file path=ppt/slides/slide4.xml><?xml version="1.0" encoding="utf-8"?>
+<p:sld xmlns:a="http://schemas.openxmlformats.org/drawingml/2006/main" xmlns:r="http://schemas.openxmlformats.org/officeDocument/2006/relationships" xmlns:p="http://schemas.openxmlformats.org/presentationml/2006/main">
+  <p:cSld>
+    <p:spTree>
+      <p:nvGrpSpPr>
+        <p:cNvPr id="1" name=""/>
+        <p:cNvGrpSpPr/>
+        <p:nvPr/>
+      </p:nvGrpSpPr>
+      <p:grpSpPr>
+        <a:xfrm>
+          <a:off x="0" y="0"/>
+          <a:ext cx="0" cy="0"/>
+          <a:chOff x="0" y="0"/>
+          <a:chExt cx="0" cy="0"/>
+        </a:xfrm>
+      </p:grpSpPr>
+      <p:sp>
+        <p:nvSpPr>
+          <p:cNvPr id="2" name="标题 1"/>
+          <p:cNvSpPr>
+            <a:spLocks noGrp="1"/>
+          </p:cNvSpPr>
+          <p:nvPr>
+            <p:ph type="title"/>
+          </p:nvPr>
+        </p:nvSpPr>
+        <p:spPr/>
+        <p:txBody>
+          <a:bodyPr/>
+          <a:lstStyle/>
+          <a:p>
+            <a:r>
+              <a:rPr lang="en-GB" altLang="zh-CN" dirty="0" smtClean="0"/>
+              <a:t>Some Results</a:t>
+            </a:r>
+            <a:endParaRPr lang="zh-CN" altLang="en-US" dirty="0"/>
+          </a:p>
+        </p:txBody>
+      </p:sp>
+      <p:pic>
+        <p:nvPicPr>
+          <p:cNvPr id="1026" name="Picture 2"/>
+          <p:cNvPicPr>
+            <a:picLocks noGrp="1" noChangeAspect="1" noChangeArrowheads="1"/>
+          </p:cNvPicPr>
+          <p:nvPr>
+            <p:ph sz="quarter" idx="13"/>
+          </p:nvPr>
+        </p:nvPicPr>
+        <p:blipFill>
+          <a:blip r:embed="rId2">
+            <a:extLst>
+              <a:ext uri="{28A0092B-C50C-407E-A947-70E740481C1C}">
+                <a14:useLocalDpi xmlns:a14="http://schemas.microsoft.com/office/drawing/2010/main" val="0"/>
+              </a:ext>
+            </a:extLst>
+          </a:blip>
+          <a:srcRect/>
+          <a:stretch>
+            <a:fillRect/>
+          </a:stretch>
+        </p:blipFill>
+        <p:spPr bwMode="auto">
+          <a:xfrm>
+            <a:off x="0" y="3518164"/>
+            <a:ext cx="4121733" cy="2196836"/>
+          </a:xfrm>
+          <a:prstGeom prst="rect">
+            <a:avLst/>
+          </a:prstGeom>
+          <a:noFill/>
+          <a:ln>
+            <a:noFill/>
+          </a:ln>
+          <a:extLst>
+            <a:ext uri="{909E8E84-426E-40DD-AFC4-6F175D3DCCD1}">
+              <a14:hiddenFill xmlns:a14="http://schemas.microsoft.com/office/drawing/2010/main">
+                <a:solidFill>
+                  <a:schemeClr val="accent1"/>
+                </a:solidFill>
+              </a14:hiddenFill>
+            </a:ext>
+            <a:ext uri="{91240B29-F687-4F45-9708-019B960494DF}">
+              <a14:hiddenLine xmlns:a14="http://schemas.microsoft.com/office/drawing/2010/main" w="9525">
+                <a:solidFill>
+                  <a:schemeClr val="tx1"/>
+                </a:solidFill>
+                <a:miter lim="800000"/>
+                <a:headEnd/>
+                <a:tailEnd/>
+              </a14:hiddenLine>
+            </a:ext>
+          </a:extLst>
+        </p:spPr>
+      </p:pic>
+      <p:pic>
+        <p:nvPicPr>
+          <p:cNvPr id="1027" name="Picture 3"/>
+          <p:cNvPicPr>
+            <a:picLocks noChangeAspect="1" noChangeArrowheads="1"/>
+          </p:cNvPicPr>
+          <p:nvPr/>
+        </p:nvPicPr>
+        <p:blipFill rotWithShape="1">
+          <a:blip r:embed="rId3">
+            <a:extLst>
+              <a:ext uri="{28A0092B-C50C-407E-A947-70E740481C1C}">
+                <a14:useLocalDpi xmlns:a14="http://schemas.microsoft.com/office/drawing/2010/main" val="0"/>
+              </a:ext>
+            </a:extLst>
+          </a:blip>
+          <a:srcRect t="50000"/>
+          <a:stretch/>
+        </p:blipFill>
+        <p:spPr bwMode="auto">
+          <a:xfrm>
+            <a:off x="4139952" y="3585983"/>
+            <a:ext cx="5004048" cy="2129017"/>
+          </a:xfrm>
+          <a:prstGeom prst="rect">
+            <a:avLst/>
+          </a:prstGeom>
+          <a:noFill/>
+          <a:ln>
+            <a:noFill/>
+          </a:ln>
+          <a:extLst>
+            <a:ext uri="{909E8E84-426E-40DD-AFC4-6F175D3DCCD1}">
+              <a14:hiddenFill xmlns:a14="http://schemas.microsoft.com/office/drawing/2010/main">
+                <a:solidFill>
+                  <a:schemeClr val="accent1"/>
+                </a:solidFill>
+              </a14:hiddenFill>
+            </a:ext>
+            <a:ext uri="{91240B29-F687-4F45-9708-019B960494DF}">
+              <a14:hiddenLine xmlns:a14="http://schemas.microsoft.com/office/drawing/2010/main" w="9525">
+                <a:solidFill>
+                  <a:schemeClr val="tx1"/>
+                </a:solidFill>
+                <a:miter lim="800000"/>
+                <a:headEnd/>
+                <a:tailEnd/>
+              </a14:hiddenLine>
+            </a:ext>
+          </a:extLst>
+        </p:spPr>
+      </p:pic>
+      <p:pic>
+        <p:nvPicPr>
+          <p:cNvPr id="1031" name="Picture 7"/>
+          <p:cNvPicPr>
+            <a:picLocks noChangeAspect="1" noChangeArrowheads="1"/>
+          </p:cNvPicPr>
+          <p:nvPr/>
+        </p:nvPicPr>
+        <p:blipFill rotWithShape="1">
+          <a:blip r:embed="rId4">
+            <a:extLst>
+              <a:ext uri="{28A0092B-C50C-407E-A947-70E740481C1C}">
+                <a14:useLocalDpi xmlns:a14="http://schemas.microsoft.com/office/drawing/2010/main" val="0"/>
+              </a:ext>
+            </a:extLst>
+          </a:blip>
+          <a:srcRect b="41680"/>
+          <a:stretch/>
+        </p:blipFill>
+        <p:spPr bwMode="auto">
+          <a:xfrm>
+            <a:off x="0" y="1504365"/>
+            <a:ext cx="4119879" cy="2081618"/>
+          </a:xfrm>
+          <a:prstGeom prst="rect">
+            <a:avLst/>
+          </a:prstGeom>
+          <a:noFill/>
+          <a:ln>
+            <a:noFill/>
+          </a:ln>
+          <a:extLst>
+            <a:ext uri="{909E8E84-426E-40DD-AFC4-6F175D3DCCD1}">
+              <a14:hiddenFill xmlns:a14="http://schemas.microsoft.com/office/drawing/2010/main">
+                <a:solidFill>
+                  <a:schemeClr val="accent1"/>
+                </a:solidFill>
+              </a14:hiddenFill>
+            </a:ext>
+            <a:ext uri="{91240B29-F687-4F45-9708-019B960494DF}">
+              <a14:hiddenLine xmlns:a14="http://schemas.microsoft.com/office/drawing/2010/main" w="9525">
+                <a:solidFill>
+                  <a:schemeClr val="tx1"/>
+                </a:solidFill>
+                <a:miter lim="800000"/>
+                <a:headEnd/>
+                <a:tailEnd/>
+              </a14:hiddenLine>
+            </a:ext>
+          </a:extLst>
+        </p:spPr>
+      </p:pic>
+      <p:pic>
+        <p:nvPicPr>
+          <p:cNvPr id="1033" name="Picture 9"/>
+          <p:cNvPicPr>
+            <a:picLocks noChangeAspect="1" noChangeArrowheads="1"/>
+          </p:cNvPicPr>
+          <p:nvPr/>
+        </p:nvPicPr>
+        <p:blipFill>
+          <a:blip r:embed="rId5">
+            <a:extLst>
+              <a:ext uri="{28A0092B-C50C-407E-A947-70E740481C1C}">
+                <a14:useLocalDpi xmlns:a14="http://schemas.microsoft.com/office/drawing/2010/main" val="0"/>
+              </a:ext>
+            </a:extLst>
+          </a:blip>
+          <a:srcRect/>
+          <a:stretch>
+            <a:fillRect/>
+          </a:stretch>
+        </p:blipFill>
+        <p:spPr bwMode="auto">
+          <a:xfrm>
+            <a:off x="4119879" y="1504365"/>
+            <a:ext cx="3848825" cy="2081618"/>
+          </a:xfrm>
+          <a:prstGeom prst="rect">
+            <a:avLst/>
+          </a:prstGeom>
+          <a:noFill/>
+          <a:ln>
+            <a:noFill/>
+          </a:ln>
+          <a:extLst>
+            <a:ext uri="{909E8E84-426E-40DD-AFC4-6F175D3DCCD1}">
+              <a14:hiddenFill xmlns:a14="http://schemas.microsoft.com/office/drawing/2010/main">
+                <a:solidFill>
+                  <a:schemeClr val="accent1"/>
+                </a:solidFill>
+              </a14:hiddenFill>
+            </a:ext>
+            <a:ext uri="{91240B29-F687-4F45-9708-019B960494DF}">
+              <a14:hiddenLine xmlns:a14="http://schemas.microsoft.com/office/drawing/2010/main" w="9525">
+                <a:solidFill>
+                  <a:schemeClr val="tx1"/>
+                </a:solidFill>
+                <a:miter lim="800000"/>
+                <a:headEnd/>
+                <a:tailEnd/>
+              </a14:hiddenLine>
+            </a:ext>
+          </a:extLst>
+        </p:spPr>
+      </p:pic>
+    </p:spTree>
+    <p:extLst>
+      <p:ext uri="{BB962C8B-B14F-4D97-AF65-F5344CB8AC3E}">
+        <p14:creationId xmlns:p14="http://schemas.microsoft.com/office/powerpoint/2010/main" val="3010885361"/>
+      </p:ext>
+    </p:extLst>
+  </p:cSld>
+  <p:clrMapOvr>
+    <a:masterClrMapping/>
+  </p:clrMapOvr>
+  <p:timing>
+    <p:tnLst>
+      <p:par>
+        <p:cTn id="1" dur="indefinite" restart="never" nodeType="tmRoot">
+          <p:childTnLst>
+            <p:seq concurrent="1" nextAc="seek">
+              <p:cTn id="2" dur="indefinite" nodeType="mainSeq">
+                <p:childTnLst>
+                  <p:par>
+                    <p:cTn id="3" fill="hold">
+                      <p:stCondLst>
+                        <p:cond delay="indefinite"/>
+                      </p:stCondLst>
+                      <p:childTnLst>
+                        <p:par>
+                          <p:cTn id="4" fill="hold">
+                            <p:stCondLst>
+                              <p:cond delay="0"/>
+                            </p:stCondLst>
+                            <p:childTnLst>
+                              <p:par>
+                                <p:cTn id="5" presetID="42" presetClass="entr" presetSubtype="0" fill="hold" nodeType="clickEffect">
+                                  <p:stCondLst>
+                                    <p:cond delay="0"/>
+                                  </p:stCondLst>
+                                  <p:childTnLst>
+                                    <p:set>
+                                      <p:cBhvr>
+                                        <p:cTn id="6" dur="1" fill="hold">
+                                          <p:stCondLst>
+                                            <p:cond delay="0"/>
+                                          </p:stCondLst>
+                                        </p:cTn>
+                                        <p:tgtEl>
+                                          <p:spTgt spid="1026"/>
+                                        </p:tgtEl>
+                                        <p:attrNameLst>
+                                          <p:attrName>style.visibility</p:attrName>
+                                        </p:attrNameLst>
+                                      </p:cBhvr>
+                                      <p:to>
+                                        <p:strVal val="visible"/>
+                                      </p:to>
+                                    </p:set>
+                                    <p:animEffect transition="in" filter="fade">
+                                      <p:cBhvr>
+                                        <p:cTn id="7" dur="1000"/>
+                                        <p:tgtEl>
+                                          <p:spTgt spid="1026"/>
+                                        </p:tgtEl>
+                                      </p:cBhvr>
+                                    </p:animEffect>
+                                    <p:anim calcmode="lin" valueType="num">
+                                      <p:cBhvr>
+                                        <p:cTn id="8" dur="1000" fill="hold"/>
+                                        <p:tgtEl>
+                                          <p:spTgt spid="1026"/>
+                                        </p:tgtEl>
+                                        <p:attrNameLst>
+                                          <p:attrName>ppt_x</p:attrName>
+                                        </p:attrNameLst>
+                                      </p:cBhvr>
+                                      <p:tavLst>
+                                        <p:tav tm="0">
+                                          <p:val>
+                                            <p:strVal val="#ppt_x"/>
+                                          </p:val>
+                                        </p:tav>
+                                        <p:tav tm="100000">
+                                          <p:val>
+                                            <p:strVal val="#ppt_x"/>
+                                          </p:val>
+                                        </p:tav>
+                                      </p:tavLst>
+                                    </p:anim>
+                                    <p:anim calcmode="lin" valueType="num">
+                                      <p:cBhvr>
+                                        <p:cTn id="9" dur="1000" fill="hold"/>
+                                        <p:tgtEl>
+                                          <p:spTgt spid="1026"/>
+                                        </p:tgtEl>
+                                        <p:attrNameLst>
+                                          <p:attrName>ppt_y</p:attrName>
+                                        </p:attrNameLst>
+                                      </p:cBhvr>
+                                      <p:tavLst>
+                                        <p:tav tm="0">
+                                          <p:val>
+                                            <p:strVal val="#ppt_y+.1"/>
+                                          </p:val>
+                                        </p:tav>
+                                        <p:tav tm="100000">
+                                          <p:val>
+                                            <p:strVal val="#ppt_y"/>
+                                          </p:val>
+                                        </p:tav>
+                                      </p:tavLst>
+                                    </p:anim>
+                                  </p:childTnLst>
+                                </p:cTn>
+                              </p:par>
+                            </p:childTnLst>
+                          </p:cTn>
+                        </p:par>
+                      </p:childTnLst>
+                    </p:cTn>
+                  </p:par>
+                  <p:par>
+                    <p:cTn id="10" fill="hold">
+                      <p:stCondLst>
+                        <p:cond delay="indefinite"/>
+                      </p:stCondLst>
+                      <p:childTnLst>
+                        <p:par>
+                          <p:cTn id="11" fill="hold">
+                            <p:stCondLst>
+                              <p:cond delay="0"/>
+                            </p:stCondLst>
+                            <p:childTnLst>
+                              <p:par>
+                                <p:cTn id="12" presetID="42" presetClass="entr" presetSubtype="0" fill="hold" nodeType="clickEffect">
+                                  <p:stCondLst>
+                                    <p:cond delay="0"/>
+                                  </p:stCondLst>
+                                  <p:childTnLst>
+                                    <p:set>
+                                      <p:cBhvr>
+                                        <p:cTn id="13" dur="1" fill="hold">
+                                          <p:stCondLst>
+                                            <p:cond delay="0"/>
+                                          </p:stCondLst>
+                                        </p:cTn>
+                                        <p:tgtEl>
+                                          <p:spTgt spid="1027"/>
+                                        </p:tgtEl>
+                                        <p:attrNameLst>
+                                          <p:attrName>style.visibility</p:attrName>
+                                        </p:attrNameLst>
+                                      </p:cBhvr>
+                                      <p:to>
+                                        <p:strVal val="visible"/>
+                                      </p:to>
+                                    </p:set>
+                                    <p:animEffect transition="in" filter="fade">
+                                      <p:cBhvr>
+                                        <p:cTn id="14" dur="1000"/>
+                                        <p:tgtEl>
+                                          <p:spTgt spid="1027"/>
+                                        </p:tgtEl>
+                                      </p:cBhvr>
+                                    </p:animEffect>
+                                    <p:anim calcmode="lin" valueType="num">
+                                      <p:cBhvr>
+                                        <p:cTn id="15" dur="1000" fill="hold"/>
+                                        <p:tgtEl>
+                                          <p:spTgt spid="1027"/>
+                                        </p:tgtEl>
+                                        <p:attrNameLst>
+                                          <p:attrName>ppt_x</p:attrName>
+                                        </p:attrNameLst>
+                                      </p:cBhvr>
+                                      <p:tavLst>
+                                        <p:tav tm="0">
+                                          <p:val>
+                                            <p:strVal val="#ppt_x"/>
+                                          </p:val>
+                                        </p:tav>
+                                        <p:tav tm="100000">
+                                          <p:val>
+                                            <p:strVal val="#ppt_x"/>
+                                          </p:val>
+                                        </p:tav>
+                                      </p:tavLst>
+                                    </p:anim>
+                                    <p:anim calcmode="lin" valueType="num">
+                                      <p:cBhvr>
+                                        <p:cTn id="16" dur="1000" fill="hold"/>
+                                        <p:tgtEl>
+                                          <p:spTgt spid="1027"/>
+                                        </p:tgtEl>
+                                        <p:attrNameLst>
+                                          <p:attrName>ppt_y</p:attrName>
+                                        </p:attrNameLst>
+                                      </p:cBhvr>
+                                      <p:tavLst>
+                                        <p:tav tm="0">
+                                          <p:val>
+                                            <p:strVal val="#ppt_y+.1"/>
+                                          </p:val>
+                                        </p:tav>
+                                        <p:tav tm="100000">
+                                          <p:val>
+                                            <p:strVal val="#ppt_y"/>
+                                          </p:val>
+                                        </p:tav>
+                                      </p:tavLst>
+                                    </p:anim>
+                                  </p:childTnLst>
+                                </p:cTn>
+                              </p:par>
+                            </p:childTnLst>
+                          </p:cTn>
+                        </p:par>
+                      </p:childTnLst>
+                    </p:cTn>
+                  </p:par>
+                  <p:par>
+                    <p:cTn id="17" fill="hold">
+                      <p:stCondLst>
+                        <p:cond delay="indefinite"/>
+                      </p:stCondLst>
+                      <p:childTnLst>
+                        <p:par>
+                          <p:cTn id="18" fill="hold">
+                            <p:stCondLst>
+                              <p:cond delay="0"/>
+                            </p:stCondLst>
+                            <p:childTnLst>
+                              <p:par>
+                                <p:cTn id="19" presetID="42" presetClass="entr" presetSubtype="0" fill="hold" nodeType="clickEffect">
+                                  <p:stCondLst>
+                                    <p:cond delay="0"/>
+                                  </p:stCondLst>
+                                  <p:childTnLst>
+                                    <p:set>
+                                      <p:cBhvr>
+                                        <p:cTn id="20" dur="1" fill="hold">
+                                          <p:stCondLst>
+                                            <p:cond delay="0"/>
+                                          </p:stCondLst>
+                                        </p:cTn>
+                                        <p:tgtEl>
+                                          <p:spTgt spid="1031"/>
+                                        </p:tgtEl>
+                                        <p:attrNameLst>
+                                          <p:attrName>style.visibility</p:attrName>
+                                        </p:attrNameLst>
+                                      </p:cBhvr>
+                                      <p:to>
+                                        <p:strVal val="visible"/>
+                                      </p:to>
+                                    </p:set>
+                                    <p:animEffect transition="in" filter="fade">
+                                      <p:cBhvr>
+                                        <p:cTn id="21" dur="1000"/>
+                                        <p:tgtEl>
+                                          <p:spTgt spid="1031"/>
+                                        </p:tgtEl>
+                                      </p:cBhvr>
+                                    </p:animEffect>
+                                    <p:anim calcmode="lin" valueType="num">
+                                      <p:cBhvr>
+                                        <p:cTn id="22" dur="1000" fill="hold"/>
+                                        <p:tgtEl>
+                                          <p:spTgt spid="1031"/>
+                                        </p:tgtEl>
+                                        <p:attrNameLst>
+                                          <p:attrName>ppt_x</p:attrName>
+                                        </p:attrNameLst>
+                                      </p:cBhvr>
+                                      <p:tavLst>
+                                        <p:tav tm="0">
+                                          <p:val>
+                                            <p:strVal val="#ppt_x"/>
+                                          </p:val>
+                                        </p:tav>
+                                        <p:tav tm="100000">
+                                          <p:val>
+                                            <p:strVal val="#ppt_x"/>
+                                          </p:val>
+                                        </p:tav>
+                                      </p:tavLst>
+                                    </p:anim>
+                                    <p:anim calcmode="lin" valueType="num">
+                                      <p:cBhvr>
+                                        <p:cTn id="23" dur="1000" fill="hold"/>
+                                        <p:tgtEl>
+                                          <p:spTgt spid="1031"/>
+                                        </p:tgtEl>
+                                        <p:attrNameLst>
+                                          <p:attrName>ppt_y</p:attrName>
+                                        </p:attrNameLst>
+                                      </p:cBhvr>
+                                      <p:tavLst>
+                                        <p:tav tm="0">
+                                          <p:val>
+                                            <p:strVal val="#ppt_y+.1"/>
+                                          </p:val>
+                                        </p:tav>
+                                        <p:tav tm="100000">
+                                          <p:val>
+                                            <p:strVal val="#ppt_y"/>
+                                          </p:val>
+                                        </p:tav>
+                                      </p:tavLst>
+                                    </p:anim>
+                                  </p:childTnLst>
+                                </p:cTn>
+                              </p:par>
+                            </p:childTnLst>
+                          </p:cTn>
+                        </p:par>
+                      </p:childTnLst>
+                    </p:cTn>
+                  </p:par>
+                  <p:par>
+                    <p:cTn id="24" fill="hold">
+                      <p:stCondLst>
+                        <p:cond delay="indefinite"/>
+                      </p:stCondLst>
+                      <p:childTnLst>
+                        <p:par>
+                          <p:cTn id="25" fill="hold">
+                            <p:stCondLst>
+                              <p:cond delay="0"/>
+                            </p:stCondLst>
+                            <p:childTnLst>
+                              <p:par>
+                                <p:cTn id="26" presetID="42" presetClass="entr" presetSubtype="0" fill="hold" nodeType="clickEffect">
+                                  <p:stCondLst>
+                                    <p:cond delay="0"/>
+                                  </p:stCondLst>
+                                  <p:childTnLst>
+                                    <p:set>
+                                      <p:cBhvr>
+                                        <p:cTn id="27" dur="1" fill="hold">
+                                          <p:stCondLst>
+                                            <p:cond delay="0"/>
+                                          </p:stCondLst>
+                                        </p:cTn>
+                                        <p:tgtEl>
+                                          <p:spTgt spid="1033"/>
+                                        </p:tgtEl>
+                                        <p:attrNameLst>
+                                          <p:attrName>style.visibility</p:attrName>
+                                        </p:attrNameLst>
+                                      </p:cBhvr>
+                                      <p:to>
+                                        <p:strVal val="visible"/>
+                                      </p:to>
+                                    </p:set>
+                                    <p:animEffect transition="in" filter="fade">
+                                      <p:cBhvr>
+                                        <p:cTn id="28" dur="1000"/>
+                                        <p:tgtEl>
+                                          <p:spTgt spid="1033"/>
+                                        </p:tgtEl>
+                                      </p:cBhvr>
+                                    </p:animEffect>
+                                    <p:anim calcmode="lin" valueType="num">
+                                      <p:cBhvr>
+                                        <p:cTn id="29" dur="1000" fill="hold"/>
+                                        <p:tgtEl>
+                                          <p:spTgt spid="1033"/>
+                                        </p:tgtEl>
+                                        <p:attrNameLst>
+                                          <p:attrName>ppt_x</p:attrName>
+                                        </p:attrNameLst>
+                                      </p:cBhvr>
+                                      <p:tavLst>
+                                        <p:tav tm="0">
+                                          <p:val>
+                                            <p:strVal val="#ppt_x"/>
+                                          </p:val>
+                                        </p:tav>
+                                        <p:tav tm="100000">
+                                          <p:val>
+                                            <p:strVal val="#ppt_x"/>
+                                          </p:val>
+                                        </p:tav>
+                                      </p:tavLst>
+                                    </p:anim>
+                                    <p:anim calcmode="lin" valueType="num">
+                                      <p:cBhvr>
+                                        <p:cTn id="30" dur="1000" fill="hold"/>
+                                        <p:tgtEl>
+                                          <p:spTgt spid="1033"/>
+                                        </p:tgtEl>
+                                        <p:attrNameLst>
+                                          <p:attrName>ppt_y</p:attrName>
+                                        </p:attrNameLst>
+                                      </p:cBhvr>
+                                      <p:tavLst>
+                                        <p:tav tm="0">
+                                          <p:val>
+                                            <p:strVal val="#ppt_y+.1"/>
+                                          </p:val>
+                                        </p:tav>
+                                        <p:tav tm="100000">
+                                          <p:val>
+                                            <p:strVal val="#ppt_y"/>
+                                          </p:val>
+                                        </p:tav>
+                                      </p:tavLst>
+                                    </p:anim>
+                                  </p:childTnLst>
+                                </p:cTn>
+                              </p:par>
+                            </p:childTnLst>
+                          </p:cTn>
+                        </p:par>
+                      </p:childTnLst>
+                    </p:cTn>
+                  </p:par>
+                </p:childTnLst>
+              </p:cTn>
+              <p:prevCondLst>
+                <p:cond evt="onPrev" delay="0">
+                  <p:tgtEl>
+                    <p:sldTgt/>
+                  </p:tgtEl>
+                </p:cond>
+              </p:prevCondLst>
+              <p:nextCondLst>
+                <p:cond evt="onNext" delay="0">
+                  <p:tgtEl>
+                    <p:sldTgt/>
+                  </p:tgtEl>
+                </p:cond>
+              </p:nextCondLst>
+            </p:seq>
+          </p:childTnLst>
+        </p:cTn>
+      </p:par>
+    </p:tnLst>
+  </p:timing>
+</p:sld>
+</file>
+
+<file path=ppt/slides/slide5.xml><?xml version="1.0" encoding="utf-8"?>
+<p:sld xmlns:a="http://schemas.openxmlformats.org/drawingml/2006/main" xmlns:r="http://schemas.openxmlformats.org/officeDocument/2006/relationships" xmlns:p="http://schemas.openxmlformats.org/presentationml/2006/main">
+  <p:cSld>
+    <p:spTree>
+      <p:nvGrpSpPr>
+        <p:cNvPr id="1" name=""/>
+        <p:cNvGrpSpPr/>
+        <p:nvPr/>
+      </p:nvGrpSpPr>
+      <p:grpSpPr>
+        <a:xfrm>
+          <a:off x="0" y="0"/>
+          <a:ext cx="0" cy="0"/>
+          <a:chOff x="0" y="0"/>
+          <a:chExt cx="0" cy="0"/>
+        </a:xfrm>
+      </p:grpSpPr>
+      <p:sp>
+        <p:nvSpPr>
+          <p:cNvPr id="2" name="标题 1"/>
+          <p:cNvSpPr>
+            <a:spLocks noGrp="1"/>
+          </p:cNvSpPr>
+          <p:nvPr>
+            <p:ph type="title"/>
+          </p:nvPr>
+        </p:nvSpPr>
+        <p:spPr/>
+        <p:txBody>
+          <a:bodyPr/>
+          <a:lstStyle/>
+          <a:p>
+            <a:r>
+              <a:rPr lang="en-GB" altLang="zh-CN" dirty="0"/>
+              <a:t>Some Results</a:t>
+            </a:r>
+            <a:endParaRPr lang="zh-CN" altLang="en-US" dirty="0"/>
+          </a:p>
+        </p:txBody>
+      </p:sp>
+      <p:sp>
+        <p:nvSpPr>
+          <p:cNvPr id="3" name="内容占位符 2"/>
+          <p:cNvSpPr>
+            <a:spLocks noGrp="1"/>
+          </p:cNvSpPr>
+          <p:nvPr>
+            <p:ph sz="quarter" idx="13"/>
+          </p:nvPr>
+        </p:nvSpPr>
+        <p:spPr/>
+        <p:txBody>
+          <a:bodyPr/>
+          <a:lstStyle/>
+          <a:p>
+            <a:endParaRPr lang="zh-CN" altLang="en-US" dirty="0"/>
+          </a:p>
+        </p:txBody>
+      </p:sp>
+      <p:pic>
+        <p:nvPicPr>
+          <p:cNvPr id="4" name="Picture 5"/>
+          <p:cNvPicPr>
+            <a:picLocks noChangeAspect="1" noChangeArrowheads="1"/>
+          </p:cNvPicPr>
+          <p:nvPr/>
+        </p:nvPicPr>
+        <p:blipFill>
+          <a:blip r:embed="rId2">
+            <a:extLst>
+              <a:ext uri="{28A0092B-C50C-407E-A947-70E740481C1C}">
+                <a14:useLocalDpi xmlns:a14="http://schemas.microsoft.com/office/drawing/2010/main" val="0"/>
+              </a:ext>
+            </a:extLst>
+          </a:blip>
+          <a:srcRect/>
+          <a:stretch>
+            <a:fillRect/>
+          </a:stretch>
+        </p:blipFill>
+        <p:spPr bwMode="auto">
+          <a:xfrm>
+            <a:off x="16932" y="1532813"/>
+            <a:ext cx="3506343" cy="1895321"/>
+          </a:xfrm>
+          <a:prstGeom prst="rect">
+            <a:avLst/>
+          </a:prstGeom>
+          <a:noFill/>
+          <a:ln>
+            <a:noFill/>
+          </a:ln>
+          <a:extLst>
+            <a:ext uri="{909E8E84-426E-40DD-AFC4-6F175D3DCCD1}">
+              <a14:hiddenFill xmlns:a14="http://schemas.microsoft.com/office/drawing/2010/main">
+                <a:solidFill>
+                  <a:schemeClr val="accent1"/>
+                </a:solidFill>
+              </a14:hiddenFill>
+            </a:ext>
+            <a:ext uri="{91240B29-F687-4F45-9708-019B960494DF}">
+              <a14:hiddenLine xmlns:a14="http://schemas.microsoft.com/office/drawing/2010/main" w="9525">
+                <a:solidFill>
+                  <a:schemeClr val="tx1"/>
+                </a:solidFill>
+                <a:miter lim="800000"/>
+                <a:headEnd/>
+                <a:tailEnd/>
+              </a14:hiddenLine>
+            </a:ext>
+          </a:extLst>
+        </p:spPr>
+      </p:pic>
+      <p:pic>
+        <p:nvPicPr>
+          <p:cNvPr id="5" name="Picture 6"/>
+          <p:cNvPicPr>
+            <a:picLocks noChangeAspect="1" noChangeArrowheads="1"/>
+          </p:cNvPicPr>
+          <p:nvPr/>
+        </p:nvPicPr>
+        <p:blipFill>
+          <a:blip r:embed="rId3">
+            <a:extLst>
+              <a:ext uri="{28A0092B-C50C-407E-A947-70E740481C1C}">
+                <a14:useLocalDpi xmlns:a14="http://schemas.microsoft.com/office/drawing/2010/main" val="0"/>
+              </a:ext>
+            </a:extLst>
+          </a:blip>
+          <a:srcRect/>
+          <a:stretch>
+            <a:fillRect/>
+          </a:stretch>
+        </p:blipFill>
+        <p:spPr bwMode="auto">
+          <a:xfrm>
+            <a:off x="16932" y="3398721"/>
+            <a:ext cx="9144001" cy="2316279"/>
+          </a:xfrm>
+          <a:prstGeom prst="rect">
+            <a:avLst/>
+          </a:prstGeom>
+          <a:noFill/>
+          <a:ln>
+            <a:noFill/>
+          </a:ln>
+          <a:extLst>
+            <a:ext uri="{909E8E84-426E-40DD-AFC4-6F175D3DCCD1}">
+              <a14:hiddenFill xmlns:a14="http://schemas.microsoft.com/office/drawing/2010/main">
+                <a:solidFill>
+                  <a:schemeClr val="accent1"/>
+                </a:solidFill>
+              </a14:hiddenFill>
+            </a:ext>
+            <a:ext uri="{91240B29-F687-4F45-9708-019B960494DF}">
+              <a14:hiddenLine xmlns:a14="http://schemas.microsoft.com/office/drawing/2010/main" w="9525">
+                <a:solidFill>
+                  <a:schemeClr val="tx1"/>
+                </a:solidFill>
+                <a:miter lim="800000"/>
+                <a:headEnd/>
+                <a:tailEnd/>
+              </a14:hiddenLine>
+            </a:ext>
+          </a:extLst>
+        </p:spPr>
+      </p:pic>
+      <p:pic>
+        <p:nvPicPr>
+          <p:cNvPr id="6" name="Picture 8"/>
+          <p:cNvPicPr>
+            <a:picLocks noChangeAspect="1" noChangeArrowheads="1"/>
+          </p:cNvPicPr>
+          <p:nvPr/>
+        </p:nvPicPr>
+        <p:blipFill>
+          <a:blip r:embed="rId4">
+            <a:extLst>
+              <a:ext uri="{28A0092B-C50C-407E-A947-70E740481C1C}">
+                <a14:useLocalDpi xmlns:a14="http://schemas.microsoft.com/office/drawing/2010/main" val="0"/>
+              </a:ext>
+            </a:extLst>
+          </a:blip>
+          <a:srcRect/>
+          <a:stretch>
+            <a:fillRect/>
+          </a:stretch>
+        </p:blipFill>
+        <p:spPr bwMode="auto">
+          <a:xfrm>
+            <a:off x="5542590" y="1532813"/>
+            <a:ext cx="3622770" cy="1865908"/>
+          </a:xfrm>
+          <a:prstGeom prst="rect">
+            <a:avLst/>
+          </a:prstGeom>
+          <a:noFill/>
+          <a:ln>
+            <a:noFill/>
+          </a:ln>
+          <a:extLst>
+            <a:ext uri="{909E8E84-426E-40DD-AFC4-6F175D3DCCD1}">
+              <a14:hiddenFill xmlns:a14="http://schemas.microsoft.com/office/drawing/2010/main">
+                <a:solidFill>
+                  <a:schemeClr val="accent1"/>
+                </a:solidFill>
+              </a14:hiddenFill>
+            </a:ext>
+            <a:ext uri="{91240B29-F687-4F45-9708-019B960494DF}">
+              <a14:hiddenLine xmlns:a14="http://schemas.microsoft.com/office/drawing/2010/main" w="9525">
+                <a:solidFill>
+                  <a:schemeClr val="tx1"/>
+                </a:solidFill>
+                <a:miter lim="800000"/>
+                <a:headEnd/>
+                <a:tailEnd/>
+              </a14:hiddenLine>
+            </a:ext>
+          </a:extLst>
+        </p:spPr>
+      </p:pic>
+      <p:pic>
+        <p:nvPicPr>
+          <p:cNvPr id="8" name="Picture 10"/>
+          <p:cNvPicPr>
+            <a:picLocks noChangeAspect="1" noChangeArrowheads="1"/>
+          </p:cNvPicPr>
+          <p:nvPr/>
+        </p:nvPicPr>
+        <p:blipFill>
+          <a:blip r:embed="rId5">
+            <a:extLst>
+              <a:ext uri="{28A0092B-C50C-407E-A947-70E740481C1C}">
+                <a14:useLocalDpi xmlns:a14="http://schemas.microsoft.com/office/drawing/2010/main" val="0"/>
+              </a:ext>
+            </a:extLst>
+          </a:blip>
+          <a:srcRect/>
+          <a:stretch>
+            <a:fillRect/>
+          </a:stretch>
+        </p:blipFill>
+        <p:spPr bwMode="auto">
+          <a:xfrm>
+            <a:off x="5542590" y="3428134"/>
+            <a:ext cx="3533775" cy="962025"/>
+          </a:xfrm>
+          <a:prstGeom prst="rect">
+            <a:avLst/>
+          </a:prstGeom>
+          <a:noFill/>
+          <a:ln>
+            <a:noFill/>
+          </a:ln>
+          <a:extLst>
+            <a:ext uri="{909E8E84-426E-40DD-AFC4-6F175D3DCCD1}">
+              <a14:hiddenFill xmlns:a14="http://schemas.microsoft.com/office/drawing/2010/main">
+                <a:solidFill>
+                  <a:schemeClr val="accent1"/>
+                </a:solidFill>
+              </a14:hiddenFill>
+            </a:ext>
+            <a:ext uri="{91240B29-F687-4F45-9708-019B960494DF}">
+              <a14:hiddenLine xmlns:a14="http://schemas.microsoft.com/office/drawing/2010/main" w="9525">
+                <a:solidFill>
+                  <a:schemeClr val="tx1"/>
+                </a:solidFill>
+                <a:miter lim="800000"/>
+                <a:headEnd/>
+                <a:tailEnd/>
+              </a14:hiddenLine>
+            </a:ext>
+          </a:extLst>
+        </p:spPr>
+      </p:pic>
+    </p:spTree>
+    <p:extLst>
+      <p:ext uri="{BB962C8B-B14F-4D97-AF65-F5344CB8AC3E}">
+        <p14:creationId xmlns:p14="http://schemas.microsoft.com/office/powerpoint/2010/main" val="2984930731"/>
+      </p:ext>
+    </p:extLst>
+  </p:cSld>
+  <p:clrMapOvr>
+    <a:masterClrMapping/>
+  </p:clrMapOvr>
+  <p:timing>
+    <p:tnLst>
+      <p:par>
+        <p:cTn id="1" dur="indefinite" restart="never" nodeType="tmRoot">
+          <p:childTnLst>
+            <p:seq concurrent="1" nextAc="seek">
+              <p:cTn id="2" dur="indefinite" nodeType="mainSeq">
+                <p:childTnLst>
+                  <p:par>
+                    <p:cTn id="3" fill="hold">
+                      <p:stCondLst>
+                        <p:cond delay="indefinite"/>
+                      </p:stCondLst>
+                      <p:childTnLst>
+                        <p:par>
+                          <p:cTn id="4" fill="hold">
+                            <p:stCondLst>
+                              <p:cond delay="0"/>
+                            </p:stCondLst>
+                            <p:childTnLst>
+                              <p:par>
+                                <p:cTn id="5" presetID="42" presetClass="entr" presetSubtype="0" fill="hold" nodeType="clickEffect">
+                                  <p:stCondLst>
+                                    <p:cond delay="0"/>
+                                  </p:stCondLst>
+                                  <p:childTnLst>
+                                    <p:set>
+                                      <p:cBhvr>
+                                        <p:cTn id="6" dur="1" fill="hold">
+                                          <p:stCondLst>
+                                            <p:cond delay="0"/>
+                                          </p:stCondLst>
+                                        </p:cTn>
+                                        <p:tgtEl>
+                                          <p:spTgt spid="5"/>
+                                        </p:tgtEl>
+                                        <p:attrNameLst>
+                                          <p:attrName>style.visibility</p:attrName>
+                                        </p:attrNameLst>
+                                      </p:cBhvr>
+                                      <p:to>
+                                        <p:strVal val="visible"/>
+                                      </p:to>
+                                    </p:set>
+                                    <p:animEffect transition="in" filter="fade">
+                                      <p:cBhvr>
+                                        <p:cTn id="7" dur="1000"/>
+                                        <p:tgtEl>
+                                          <p:spTgt spid="5"/>
+                                        </p:tgtEl>
+                                      </p:cBhvr>
+                                    </p:animEffect>
+                                    <p:anim calcmode="lin" valueType="num">
+                                      <p:cBhvr>
+                                        <p:cTn id="8" dur="1000" fill="hold"/>
+                                        <p:tgtEl>
+                                          <p:spTgt spid="5"/>
+                                        </p:tgtEl>
+                                        <p:attrNameLst>
+                                          <p:attrName>ppt_x</p:attrName>
+                                        </p:attrNameLst>
+                                      </p:cBhvr>
+                                      <p:tavLst>
+                                        <p:tav tm="0">
+                                          <p:val>
+                                            <p:strVal val="#ppt_x"/>
+                                          </p:val>
+                                        </p:tav>
+                                        <p:tav tm="100000">
+                                          <p:val>
+                                            <p:strVal val="#ppt_x"/>
+                                          </p:val>
+                                        </p:tav>
+                                      </p:tavLst>
+                                    </p:anim>
+                                    <p:anim calcmode="lin" valueType="num">
+                                      <p:cBhvr>
+                                        <p:cTn id="9" dur="1000" fill="hold"/>
+                                        <p:tgtEl>
+                                          <p:spTgt spid="5"/>
+                                        </p:tgtEl>
+                                        <p:attrNameLst>
+                                          <p:attrName>ppt_y</p:attrName>
+                                        </p:attrNameLst>
+                                      </p:cBhvr>
+                                      <p:tavLst>
+                                        <p:tav tm="0">
+                                          <p:val>
+                                            <p:strVal val="#ppt_y+.1"/>
+                                          </p:val>
+                                        </p:tav>
+                                        <p:tav tm="100000">
+                                          <p:val>
+                                            <p:strVal val="#ppt_y"/>
+                                          </p:val>
+                                        </p:tav>
+                                      </p:tavLst>
+                                    </p:anim>
+                                  </p:childTnLst>
+                                </p:cTn>
+                              </p:par>
+                              <p:par>
+                                <p:cTn id="10" presetID="42" presetClass="entr" presetSubtype="0" fill="hold" nodeType="withEffect">
+                                  <p:stCondLst>
+                                    <p:cond delay="0"/>
+                                  </p:stCondLst>
+                                  <p:childTnLst>
+                                    <p:set>
+                                      <p:cBhvr>
+                                        <p:cTn id="11" dur="1" fill="hold">
+                                          <p:stCondLst>
+                                            <p:cond delay="0"/>
+                                          </p:stCondLst>
+                                        </p:cTn>
+                                        <p:tgtEl>
+                                          <p:spTgt spid="4"/>
+                                        </p:tgtEl>
+                                        <p:attrNameLst>
+                                          <p:attrName>style.visibility</p:attrName>
+                                        </p:attrNameLst>
+                                      </p:cBhvr>
+                                      <p:to>
+                                        <p:strVal val="visible"/>
+                                      </p:to>
+                                    </p:set>
+                                    <p:animEffect transition="in" filter="fade">
+                                      <p:cBhvr>
+                                        <p:cTn id="12" dur="1000"/>
+                                        <p:tgtEl>
+                                          <p:spTgt spid="4"/>
+                                        </p:tgtEl>
+                                      </p:cBhvr>
+                                    </p:animEffect>
+                                    <p:anim calcmode="lin" valueType="num">
+                                      <p:cBhvr>
+                                        <p:cTn id="13" dur="1000" fill="hold"/>
+                                        <p:tgtEl>
+                                          <p:spTgt spid="4"/>
+                                        </p:tgtEl>
+                                        <p:attrNameLst>
+                                          <p:attrName>ppt_x</p:attrName>
+                                        </p:attrNameLst>
+                                      </p:cBhvr>
+                                      <p:tavLst>
+                                        <p:tav tm="0">
+                                          <p:val>
+                                            <p:strVal val="#ppt_x"/>
+                                          </p:val>
+                                        </p:tav>
+                                        <p:tav tm="100000">
+                                          <p:val>
+                                            <p:strVal val="#ppt_x"/>
+                                          </p:val>
+                                        </p:tav>
+                                      </p:tavLst>
+                                    </p:anim>
+                                    <p:anim calcmode="lin" valueType="num">
+                                      <p:cBhvr>
+                                        <p:cTn id="14" dur="1000" fill="hold"/>
+                                        <p:tgtEl>
+                                          <p:spTgt spid="4"/>
+                                        </p:tgtEl>
+                                        <p:attrNameLst>
+                                          <p:attrName>ppt_y</p:attrName>
+                                        </p:attrNameLst>
+                                      </p:cBhvr>
+                                      <p:tavLst>
+                                        <p:tav tm="0">
+                                          <p:val>
+                                            <p:strVal val="#ppt_y+.1"/>
+                                          </p:val>
+                                        </p:tav>
+                                        <p:tav tm="100000">
+                                          <p:val>
+                                            <p:strVal val="#ppt_y"/>
+                                          </p:val>
+                                        </p:tav>
+                                      </p:tavLst>
+                                    </p:anim>
+                                  </p:childTnLst>
+                                </p:cTn>
+                              </p:par>
+                            </p:childTnLst>
+                          </p:cTn>
+                        </p:par>
+                      </p:childTnLst>
+                    </p:cTn>
+                  </p:par>
+                  <p:par>
+                    <p:cTn id="15" fill="hold">
+                      <p:stCondLst>
+                        <p:cond delay="indefinite"/>
+                      </p:stCondLst>
+                      <p:childTnLst>
+                        <p:par>
+                          <p:cTn id="16" fill="hold">
+                            <p:stCondLst>
+                              <p:cond delay="0"/>
+                            </p:stCondLst>
+                            <p:childTnLst>
+                              <p:par>
+                                <p:cTn id="17" presetID="42" presetClass="entr" presetSubtype="0" fill="hold" nodeType="clickEffect">
+                                  <p:stCondLst>
+                                    <p:cond delay="0"/>
+                                  </p:stCondLst>
+                                  <p:childTnLst>
+                                    <p:set>
+                                      <p:cBhvr>
+                                        <p:cTn id="18" dur="1" fill="hold">
+                                          <p:stCondLst>
+                                            <p:cond delay="0"/>
+                                          </p:stCondLst>
+                                        </p:cTn>
+                                        <p:tgtEl>
+                                          <p:spTgt spid="8"/>
+                                        </p:tgtEl>
+                                        <p:attrNameLst>
+                                          <p:attrName>style.visibility</p:attrName>
+                                        </p:attrNameLst>
+                                      </p:cBhvr>
+                                      <p:to>
+                                        <p:strVal val="visible"/>
+                                      </p:to>
+                                    </p:set>
+                                    <p:animEffect transition="in" filter="fade">
+                                      <p:cBhvr>
+                                        <p:cTn id="19" dur="1000"/>
+                                        <p:tgtEl>
+                                          <p:spTgt spid="8"/>
+                                        </p:tgtEl>
+                                      </p:cBhvr>
+                                    </p:animEffect>
+                                    <p:anim calcmode="lin" valueType="num">
+                                      <p:cBhvr>
+                                        <p:cTn id="20" dur="1000" fill="hold"/>
+                                        <p:tgtEl>
+                                          <p:spTgt spid="8"/>
+                                        </p:tgtEl>
+                                        <p:attrNameLst>
+                                          <p:attrName>ppt_x</p:attrName>
+                                        </p:attrNameLst>
+                                      </p:cBhvr>
+                                      <p:tavLst>
+                                        <p:tav tm="0">
+                                          <p:val>
+                                            <p:strVal val="#ppt_x"/>
+                                          </p:val>
+                                        </p:tav>
+                                        <p:tav tm="100000">
+                                          <p:val>
+                                            <p:strVal val="#ppt_x"/>
+                                          </p:val>
+                                        </p:tav>
+                                      </p:tavLst>
+                                    </p:anim>
+                                    <p:anim calcmode="lin" valueType="num">
+                                      <p:cBhvr>
+                                        <p:cTn id="21" dur="1000" fill="hold"/>
+                                        <p:tgtEl>
+                                          <p:spTgt spid="8"/>
+                                        </p:tgtEl>
+                                        <p:attrNameLst>
+                                          <p:attrName>ppt_y</p:attrName>
+                                        </p:attrNameLst>
+                                      </p:cBhvr>
+                                      <p:tavLst>
+                                        <p:tav tm="0">
+                                          <p:val>
+                                            <p:strVal val="#ppt_y+.1"/>
+                                          </p:val>
+                                        </p:tav>
+                                        <p:tav tm="100000">
+                                          <p:val>
+                                            <p:strVal val="#ppt_y"/>
+                                          </p:val>
+                                        </p:tav>
+                                      </p:tavLst>
+                                    </p:anim>
+                                  </p:childTnLst>
+                                </p:cTn>
+                              </p:par>
+                              <p:par>
+                                <p:cTn id="22" presetID="42" presetClass="entr" presetSubtype="0" fill="hold" nodeType="withEffect">
+                                  <p:stCondLst>
+                                    <p:cond delay="0"/>
+                                  </p:stCondLst>
+                                  <p:childTnLst>
+                                    <p:set>
+                                      <p:cBhvr>
+                                        <p:cTn id="23" dur="1" fill="hold">
+                                          <p:stCondLst>
+                                            <p:cond delay="0"/>
+                                          </p:stCondLst>
+                                        </p:cTn>
+                                        <p:tgtEl>
+                                          <p:spTgt spid="6"/>
+                                        </p:tgtEl>
+                                        <p:attrNameLst>
+                                          <p:attrName>style.visibility</p:attrName>
+                                        </p:attrNameLst>
+                                      </p:cBhvr>
+                                      <p:to>
+                                        <p:strVal val="visible"/>
+                                      </p:to>
+                                    </p:set>
+                                    <p:animEffect transition="in" filter="fade">
+                                      <p:cBhvr>
+                                        <p:cTn id="24" dur="1000"/>
+                                        <p:tgtEl>
+                                          <p:spTgt spid="6"/>
+                                        </p:tgtEl>
+                                      </p:cBhvr>
+                                    </p:animEffect>
+                                    <p:anim calcmode="lin" valueType="num">
+                                      <p:cBhvr>
+                                        <p:cTn id="25" dur="1000" fill="hold"/>
+                                        <p:tgtEl>
+                                          <p:spTgt spid="6"/>
+                                        </p:tgtEl>
+                                        <p:attrNameLst>
+                                          <p:attrName>ppt_x</p:attrName>
+                                        </p:attrNameLst>
+                                      </p:cBhvr>
+                                      <p:tavLst>
+                                        <p:tav tm="0">
+                                          <p:val>
+                                            <p:strVal val="#ppt_x"/>
+                                          </p:val>
+                                        </p:tav>
+                                        <p:tav tm="100000">
+                                          <p:val>
+                                            <p:strVal val="#ppt_x"/>
+                                          </p:val>
+                                        </p:tav>
+                                      </p:tavLst>
+                                    </p:anim>
+                                    <p:anim calcmode="lin" valueType="num">
+                                      <p:cBhvr>
+                                        <p:cTn id="26" dur="1000" fill="hold"/>
+                                        <p:tgtEl>
+                                          <p:spTgt spid="6"/>
+                                        </p:tgtEl>
+                                        <p:attrNameLst>
+                                          <p:attrName>ppt_y</p:attrName>
+                                        </p:attrNameLst>
+                                      </p:cBhvr>
+                                      <p:tavLst>
+                                        <p:tav tm="0">
+                                          <p:val>
+                                            <p:strVal val="#ppt_y+.1"/>
+                                          </p:val>
+                                        </p:tav>
+                                        <p:tav tm="100000">
+                                          <p:val>
+                                            <p:strVal val="#ppt_y"/>
+                                          </p:val>
+                                        </p:tav>
+                                      </p:tavLst>
+                                    </p:anim>
+                                  </p:childTnLst>
+                                </p:cTn>
+                              </p:par>
+                            </p:childTnLst>
+                          </p:cTn>
+                        </p:par>
+                      </p:childTnLst>
+                    </p:cTn>
+                  </p:par>
+                </p:childTnLst>
+              </p:cTn>
+              <p:prevCondLst>
+                <p:cond evt="onPrev" delay="0">
+                  <p:tgtEl>
+                    <p:sldTgt/>
+                  </p:tgtEl>
+                </p:cond>
+              </p:prevCondLst>
+              <p:nextCondLst>
+                <p:cond evt="onNext" delay="0">
+                  <p:tgtEl>
+                    <p:sldTgt/>
+                  </p:tgtEl>
+                </p:cond>
+              </p:nextCondLst>
+            </p:seq>
+          </p:childTnLst>
+        </p:cTn>
       </p:par>
     </p:tnLst>
   </p:timing>

--- a/presentation/presentation_lei.pptx
+++ b/presentation/presentation_lei.pptx
@@ -5,14 +5,15 @@
     <p:sldMasterId id="2147483648" r:id="rId2"/>
   </p:sldMasterIdLst>
   <p:notesMasterIdLst>
-    <p:notesMasterId r:id="rId8"/>
+    <p:notesMasterId r:id="rId9"/>
   </p:notesMasterIdLst>
   <p:sldIdLst>
     <p:sldId id="283" r:id="rId3"/>
     <p:sldId id="284" r:id="rId4"/>
-    <p:sldId id="285" r:id="rId5"/>
-    <p:sldId id="286" r:id="rId6"/>
-    <p:sldId id="287" r:id="rId7"/>
+    <p:sldId id="288" r:id="rId5"/>
+    <p:sldId id="285" r:id="rId6"/>
+    <p:sldId id="286" r:id="rId7"/>
+    <p:sldId id="287" r:id="rId8"/>
   </p:sldIdLst>
   <p:sldSz cx="9144000" cy="5715000" type="screen16x10"/>
   <p:notesSz cx="6858000" cy="9144000"/>
@@ -111,7 +112,7 @@
   </p:defaultTextStyle>
   <p:extLst>
     <p:ext uri="{EFAFB233-063F-42B5-8137-9DF3F51BA10A}">
-      <p15:sldGuideLst xmlns="" xmlns:p15="http://schemas.microsoft.com/office/powerpoint/2012/main">
+      <p15:sldGuideLst xmlns:p15="http://schemas.microsoft.com/office/powerpoint/2012/main" xmlns="">
         <p15:guide id="1" orient="horz" pos="1800" userDrawn="1">
           <p15:clr>
             <a:srgbClr val="A4A3A4"/>
@@ -4431,6 +4432,171 @@
         </p:nvSpPr>
         <p:spPr/>
         <p:txBody>
+          <a:bodyPr/>
+          <a:lstStyle/>
+          <a:p>
+            <a:r>
+              <a:rPr lang="en-GB" altLang="zh-CN" dirty="0" smtClean="0"/>
+              <a:t>Training </a:t>
+            </a:r>
+            <a:r>
+              <a:rPr lang="en-GB" altLang="zh-CN" smtClean="0"/>
+              <a:t>set example</a:t>
+            </a:r>
+            <a:endParaRPr lang="zh-CN" altLang="en-US"/>
+          </a:p>
+        </p:txBody>
+      </p:sp>
+      <p:sp>
+        <p:nvSpPr>
+          <p:cNvPr id="3" name="内容占位符 2"/>
+          <p:cNvSpPr>
+            <a:spLocks noGrp="1"/>
+          </p:cNvSpPr>
+          <p:nvPr>
+            <p:ph sz="quarter" idx="13"/>
+          </p:nvPr>
+        </p:nvSpPr>
+        <p:spPr/>
+        <p:txBody>
+          <a:bodyPr/>
+          <a:lstStyle/>
+          <a:p>
+            <a:endParaRPr lang="zh-CN" altLang="en-US"/>
+          </a:p>
+        </p:txBody>
+      </p:sp>
+      <p:pic>
+        <p:nvPicPr>
+          <p:cNvPr id="4" name="Picture 2" descr="E:\pycode\Raw_Images\9\cce2f2a5f9898931de49df7e603a3c2f-0.png"/>
+          <p:cNvPicPr>
+            <a:picLocks noChangeAspect="1" noChangeArrowheads="1"/>
+          </p:cNvPicPr>
+          <p:nvPr/>
+        </p:nvPicPr>
+        <p:blipFill>
+          <a:blip r:embed="rId2" cstate="print">
+            <a:extLst>
+              <a:ext uri="{28A0092B-C50C-407E-A947-70E740481C1C}">
+                <a14:useLocalDpi xmlns:a14="http://schemas.microsoft.com/office/drawing/2010/main" val="0"/>
+              </a:ext>
+            </a:extLst>
+          </a:blip>
+          <a:srcRect/>
+          <a:stretch>
+            <a:fillRect/>
+          </a:stretch>
+        </p:blipFill>
+        <p:spPr bwMode="auto">
+          <a:xfrm>
+            <a:off x="251520" y="1273324"/>
+            <a:ext cx="5087483" cy="5113240"/>
+          </a:xfrm>
+          <a:prstGeom prst="rect">
+            <a:avLst/>
+          </a:prstGeom>
+          <a:noFill/>
+          <a:extLst>
+            <a:ext uri="{909E8E84-426E-40DD-AFC4-6F175D3DCCD1}">
+              <a14:hiddenFill xmlns:a14="http://schemas.microsoft.com/office/drawing/2010/main">
+                <a:solidFill>
+                  <a:srgbClr val="FFFFFF"/>
+                </a:solidFill>
+              </a14:hiddenFill>
+            </a:ext>
+          </a:extLst>
+        </p:spPr>
+      </p:pic>
+      <p:pic>
+        <p:nvPicPr>
+          <p:cNvPr id="2050" name="Picture 2" descr="E:\pycode\Raw_Images\1\b99e109dafc21c5c011e1034bca7a74e-0.png"/>
+          <p:cNvPicPr>
+            <a:picLocks noChangeAspect="1" noChangeArrowheads="1"/>
+          </p:cNvPicPr>
+          <p:nvPr/>
+        </p:nvPicPr>
+        <p:blipFill>
+          <a:blip r:embed="rId3" cstate="print">
+            <a:extLst>
+              <a:ext uri="{28A0092B-C50C-407E-A947-70E740481C1C}">
+                <a14:useLocalDpi xmlns:a14="http://schemas.microsoft.com/office/drawing/2010/main" val="0"/>
+              </a:ext>
+            </a:extLst>
+          </a:blip>
+          <a:srcRect/>
+          <a:stretch>
+            <a:fillRect/>
+          </a:stretch>
+        </p:blipFill>
+        <p:spPr bwMode="auto">
+          <a:xfrm>
+            <a:off x="4412749" y="1298115"/>
+            <a:ext cx="4731251" cy="4933946"/>
+          </a:xfrm>
+          <a:prstGeom prst="rect">
+            <a:avLst/>
+          </a:prstGeom>
+          <a:noFill/>
+          <a:extLst>
+            <a:ext uri="{909E8E84-426E-40DD-AFC4-6F175D3DCCD1}">
+              <a14:hiddenFill xmlns:a14="http://schemas.microsoft.com/office/drawing/2010/main">
+                <a:solidFill>
+                  <a:srgbClr val="FFFFFF"/>
+                </a:solidFill>
+              </a14:hiddenFill>
+            </a:ext>
+          </a:extLst>
+        </p:spPr>
+      </p:pic>
+    </p:spTree>
+    <p:extLst>
+      <p:ext uri="{BB962C8B-B14F-4D97-AF65-F5344CB8AC3E}">
+        <p14:creationId xmlns:p14="http://schemas.microsoft.com/office/powerpoint/2010/main" val="3832850646"/>
+      </p:ext>
+    </p:extLst>
+  </p:cSld>
+  <p:clrMapOvr>
+    <a:masterClrMapping/>
+  </p:clrMapOvr>
+  <p:timing>
+    <p:tnLst>
+      <p:par>
+        <p:cTn id="1" dur="indefinite" restart="never" nodeType="tmRoot"/>
+      </p:par>
+    </p:tnLst>
+  </p:timing>
+</p:sld>
+</file>
+
+<file path=ppt/slides/slide4.xml><?xml version="1.0" encoding="utf-8"?>
+<p:sld xmlns:a="http://schemas.openxmlformats.org/drawingml/2006/main" xmlns:r="http://schemas.openxmlformats.org/officeDocument/2006/relationships" xmlns:p="http://schemas.openxmlformats.org/presentationml/2006/main">
+  <p:cSld>
+    <p:spTree>
+      <p:nvGrpSpPr>
+        <p:cNvPr id="1" name=""/>
+        <p:cNvGrpSpPr/>
+        <p:nvPr/>
+      </p:nvGrpSpPr>
+      <p:grpSpPr>
+        <a:xfrm>
+          <a:off x="0" y="0"/>
+          <a:ext cx="0" cy="0"/>
+          <a:chOff x="0" y="0"/>
+          <a:chExt cx="0" cy="0"/>
+        </a:xfrm>
+      </p:grpSpPr>
+      <p:sp>
+        <p:nvSpPr>
+          <p:cNvPr id="2" name="标题 1"/>
+          <p:cNvSpPr>
+            <a:spLocks noGrp="1"/>
+          </p:cNvSpPr>
+          <p:nvPr>
+            <p:ph type="title"/>
+          </p:nvPr>
+        </p:nvSpPr>
+        <p:spPr/>
+        <p:txBody>
           <a:bodyPr>
             <a:normAutofit/>
           </a:bodyPr>
@@ -4665,7 +4831,7 @@
 </p:sld>
 </file>
 
-<file path=ppt/slides/slide4.xml><?xml version="1.0" encoding="utf-8"?>
+<file path=ppt/slides/slide5.xml><?xml version="1.0" encoding="utf-8"?>
 <p:sld xmlns:a="http://schemas.openxmlformats.org/drawingml/2006/main" xmlns:r="http://schemas.openxmlformats.org/officeDocument/2006/relationships" xmlns:p="http://schemas.openxmlformats.org/presentationml/2006/main">
   <p:cSld>
     <p:spTree>
@@ -5358,7 +5524,7 @@
 </p:sld>
 </file>
 
-<file path=ppt/slides/slide5.xml><?xml version="1.0" encoding="utf-8"?>
+<file path=ppt/slides/slide6.xml><?xml version="1.0" encoding="utf-8"?>
 <p:sld xmlns:a="http://schemas.openxmlformats.org/drawingml/2006/main" xmlns:r="http://schemas.openxmlformats.org/officeDocument/2006/relationships" xmlns:p="http://schemas.openxmlformats.org/presentationml/2006/main">
   <p:cSld>
     <p:spTree>
